--- a/Cryptanalysis on Asymmetric Ciphers — RSA &  RSA‑Based Signatures.pptx
+++ b/Cryptanalysis on Asymmetric Ciphers — RSA &  RSA‑Based Signatures.pptx
@@ -1009,8 +1009,8 @@
         </p:nvSpPr>
         <p:spPr>
           <a:xfrm>
-            <a:off x="1143225" y="685800"/>
-            <a:ext cx="4572225" cy="3429000"/>
+            <a:off x="381000" y="685800"/>
+            <a:ext cx="6096000" cy="3429000"/>
           </a:xfrm>
           <a:custGeom>
             <a:avLst/>
@@ -1113,8 +1113,8 @@
         </p:nvSpPr>
         <p:spPr>
           <a:xfrm>
-            <a:off x="1143225" y="685800"/>
-            <a:ext cx="4572225" cy="3429000"/>
+            <a:off x="381000" y="685800"/>
+            <a:ext cx="6096000" cy="3429000"/>
           </a:xfrm>
           <a:custGeom>
             <a:avLst/>
@@ -1217,8 +1217,8 @@
         </p:nvSpPr>
         <p:spPr>
           <a:xfrm>
-            <a:off x="1143225" y="685800"/>
-            <a:ext cx="4572225" cy="3429000"/>
+            <a:off x="381000" y="685800"/>
+            <a:ext cx="6096000" cy="3429000"/>
           </a:xfrm>
           <a:custGeom>
             <a:avLst/>
@@ -2673,8 +2673,8 @@
         </p:nvSpPr>
         <p:spPr>
           <a:xfrm>
-            <a:off x="1143225" y="685800"/>
-            <a:ext cx="4572225" cy="3429000"/>
+            <a:off x="381000" y="685800"/>
+            <a:ext cx="6096000" cy="3429000"/>
           </a:xfrm>
           <a:custGeom>
             <a:avLst/>
@@ -16953,7 +16953,7 @@
           </a:bodyPr>
           <a:lstStyle/>
           <a:p>
-            <a:pPr marL="0" lvl="0" indent="0" algn="ctr" rtl="0">
+            <a:pPr marL="0" lvl="0" indent="0" rtl="0">
               <a:lnSpc>
                 <a:spcPct val="85000"/>
               </a:lnSpc>
@@ -16971,10 +16971,10 @@
               <a:buNone/>
             </a:pPr>
             <a:r>
-              <a:rPr lang="en-US"/>
+              <a:rPr lang="en-US" dirty="0"/>
               <a:t>PKCS#1 v1.5 Padding</a:t>
             </a:r>
-            <a:endParaRPr/>
+            <a:endParaRPr dirty="0"/>
           </a:p>
         </p:txBody>
       </p:sp>
@@ -17097,7 +17097,7 @@
         <p:spPr>
           <a:xfrm>
             <a:off x="1097280" y="1845734"/>
-            <a:ext cx="10058400" cy="4023300"/>
+            <a:ext cx="10453370" cy="4023300"/>
           </a:xfrm>
           <a:prstGeom prst="rect">
             <a:avLst/>
@@ -17128,43 +17128,376 @@
               <a:buChar char="-"/>
             </a:pPr>
             <a:r>
-              <a:rPr lang="en-US" sz="2800">
+              <a:rPr lang="en-US" sz="2800" dirty="0">
                 <a:latin typeface="Calibri"/>
                 <a:ea typeface="Calibri"/>
                 <a:cs typeface="Calibri"/>
                 <a:sym typeface="Calibri"/>
               </a:rPr>
-              <a:t> Là một thành phần cho phép attacker biết </a:t>
-            </a:r>
-            <a:r>
-              <a:rPr lang="en-US" sz="2800" b="1">
+              <a:t> </a:t>
+            </a:r>
+            <a:r>
+              <a:rPr lang="en-US" sz="2800" dirty="0" err="1">
                 <a:latin typeface="Calibri"/>
                 <a:ea typeface="Calibri"/>
                 <a:cs typeface="Calibri"/>
                 <a:sym typeface="Calibri"/>
               </a:rPr>
-              <a:t>ciphertext sau khi decrypt có vượt qua kiểm tra padding hay không</a:t>
-            </a:r>
-            <a:r>
-              <a:rPr lang="en-US" sz="2800">
+              <a:t>Là</a:t>
+            </a:r>
+            <a:r>
+              <a:rPr lang="en-US" sz="2800" dirty="0">
                 <a:latin typeface="Calibri"/>
                 <a:ea typeface="Calibri"/>
                 <a:cs typeface="Calibri"/>
                 <a:sym typeface="Calibri"/>
               </a:rPr>
-              <a:t>, thông qua </a:t>
-            </a:r>
-            <a:r>
-              <a:rPr lang="en-US" sz="2800" b="1">
+              <a:t> </a:t>
+            </a:r>
+            <a:r>
+              <a:rPr lang="en-US" sz="2800" dirty="0" err="1">
                 <a:latin typeface="Calibri"/>
                 <a:ea typeface="Calibri"/>
                 <a:cs typeface="Calibri"/>
                 <a:sym typeface="Calibri"/>
               </a:rPr>
-              <a:t>phản hồi hoặc timing khác nhau</a:t>
-            </a:r>
-            <a:r>
-              <a:rPr lang="en-US" sz="2800">
+              <a:t>một</a:t>
+            </a:r>
+            <a:r>
+              <a:rPr lang="en-US" sz="2800" dirty="0">
+                <a:latin typeface="Calibri"/>
+                <a:ea typeface="Calibri"/>
+                <a:cs typeface="Calibri"/>
+                <a:sym typeface="Calibri"/>
+              </a:rPr>
+              <a:t> </a:t>
+            </a:r>
+            <a:r>
+              <a:rPr lang="en-US" sz="2800" dirty="0" err="1">
+                <a:latin typeface="Calibri"/>
+                <a:ea typeface="Calibri"/>
+                <a:cs typeface="Calibri"/>
+                <a:sym typeface="Calibri"/>
+              </a:rPr>
+              <a:t>thành</a:t>
+            </a:r>
+            <a:r>
+              <a:rPr lang="en-US" sz="2800" dirty="0">
+                <a:latin typeface="Calibri"/>
+                <a:ea typeface="Calibri"/>
+                <a:cs typeface="Calibri"/>
+                <a:sym typeface="Calibri"/>
+              </a:rPr>
+              <a:t> </a:t>
+            </a:r>
+            <a:r>
+              <a:rPr lang="en-US" sz="2800" dirty="0" err="1">
+                <a:latin typeface="Calibri"/>
+                <a:ea typeface="Calibri"/>
+                <a:cs typeface="Calibri"/>
+                <a:sym typeface="Calibri"/>
+              </a:rPr>
+              <a:t>phần</a:t>
+            </a:r>
+            <a:r>
+              <a:rPr lang="en-US" sz="2800" dirty="0">
+                <a:latin typeface="Calibri"/>
+                <a:ea typeface="Calibri"/>
+                <a:cs typeface="Calibri"/>
+                <a:sym typeface="Calibri"/>
+              </a:rPr>
+              <a:t> </a:t>
+            </a:r>
+            <a:r>
+              <a:rPr lang="en-US" sz="2800" dirty="0" err="1">
+                <a:latin typeface="Calibri"/>
+                <a:ea typeface="Calibri"/>
+                <a:cs typeface="Calibri"/>
+                <a:sym typeface="Calibri"/>
+              </a:rPr>
+              <a:t>cho</a:t>
+            </a:r>
+            <a:r>
+              <a:rPr lang="en-US" sz="2800" dirty="0">
+                <a:latin typeface="Calibri"/>
+                <a:ea typeface="Calibri"/>
+                <a:cs typeface="Calibri"/>
+                <a:sym typeface="Calibri"/>
+              </a:rPr>
+              <a:t> </a:t>
+            </a:r>
+            <a:r>
+              <a:rPr lang="en-US" sz="2800" dirty="0" err="1">
+                <a:latin typeface="Calibri"/>
+                <a:ea typeface="Calibri"/>
+                <a:cs typeface="Calibri"/>
+                <a:sym typeface="Calibri"/>
+              </a:rPr>
+              <a:t>phép</a:t>
+            </a:r>
+            <a:r>
+              <a:rPr lang="en-US" sz="2800" dirty="0">
+                <a:latin typeface="Calibri"/>
+                <a:ea typeface="Calibri"/>
+                <a:cs typeface="Calibri"/>
+                <a:sym typeface="Calibri"/>
+              </a:rPr>
+              <a:t> attacker </a:t>
+            </a:r>
+            <a:r>
+              <a:rPr lang="en-US" sz="2800" dirty="0" err="1">
+                <a:latin typeface="Calibri"/>
+                <a:ea typeface="Calibri"/>
+                <a:cs typeface="Calibri"/>
+                <a:sym typeface="Calibri"/>
+              </a:rPr>
+              <a:t>biết</a:t>
+            </a:r>
+            <a:r>
+              <a:rPr lang="en-US" sz="2800" dirty="0">
+                <a:latin typeface="Calibri"/>
+                <a:ea typeface="Calibri"/>
+                <a:cs typeface="Calibri"/>
+                <a:sym typeface="Calibri"/>
+              </a:rPr>
+              <a:t> </a:t>
+            </a:r>
+            <a:r>
+              <a:rPr lang="en-US" sz="2800" b="1" dirty="0">
+                <a:latin typeface="Calibri"/>
+                <a:ea typeface="Calibri"/>
+                <a:cs typeface="Calibri"/>
+                <a:sym typeface="Calibri"/>
+              </a:rPr>
+              <a:t>ciphertext </a:t>
+            </a:r>
+            <a:r>
+              <a:rPr lang="en-US" sz="2800" b="1" dirty="0" err="1">
+                <a:latin typeface="Calibri"/>
+                <a:ea typeface="Calibri"/>
+                <a:cs typeface="Calibri"/>
+                <a:sym typeface="Calibri"/>
+              </a:rPr>
+              <a:t>sau</a:t>
+            </a:r>
+            <a:r>
+              <a:rPr lang="en-US" sz="2800" b="1" dirty="0">
+                <a:latin typeface="Calibri"/>
+                <a:ea typeface="Calibri"/>
+                <a:cs typeface="Calibri"/>
+                <a:sym typeface="Calibri"/>
+              </a:rPr>
+              <a:t> </a:t>
+            </a:r>
+            <a:r>
+              <a:rPr lang="en-US" sz="2800" b="1" dirty="0" err="1">
+                <a:latin typeface="Calibri"/>
+                <a:ea typeface="Calibri"/>
+                <a:cs typeface="Calibri"/>
+                <a:sym typeface="Calibri"/>
+              </a:rPr>
+              <a:t>khi</a:t>
+            </a:r>
+            <a:r>
+              <a:rPr lang="en-US" sz="2800" b="1" dirty="0">
+                <a:latin typeface="Calibri"/>
+                <a:ea typeface="Calibri"/>
+                <a:cs typeface="Calibri"/>
+                <a:sym typeface="Calibri"/>
+              </a:rPr>
+              <a:t> decrypt </a:t>
+            </a:r>
+            <a:r>
+              <a:rPr lang="en-US" sz="2800" b="1" dirty="0" err="1">
+                <a:latin typeface="Calibri"/>
+                <a:ea typeface="Calibri"/>
+                <a:cs typeface="Calibri"/>
+                <a:sym typeface="Calibri"/>
+              </a:rPr>
+              <a:t>có</a:t>
+            </a:r>
+            <a:r>
+              <a:rPr lang="en-US" sz="2800" b="1" dirty="0">
+                <a:latin typeface="Calibri"/>
+                <a:ea typeface="Calibri"/>
+                <a:cs typeface="Calibri"/>
+                <a:sym typeface="Calibri"/>
+              </a:rPr>
+              <a:t> </a:t>
+            </a:r>
+            <a:r>
+              <a:rPr lang="en-US" sz="2800" b="1" dirty="0" err="1">
+                <a:latin typeface="Calibri"/>
+                <a:ea typeface="Calibri"/>
+                <a:cs typeface="Calibri"/>
+                <a:sym typeface="Calibri"/>
+              </a:rPr>
+              <a:t>vượt</a:t>
+            </a:r>
+            <a:r>
+              <a:rPr lang="en-US" sz="2800" b="1" dirty="0">
+                <a:latin typeface="Calibri"/>
+                <a:ea typeface="Calibri"/>
+                <a:cs typeface="Calibri"/>
+                <a:sym typeface="Calibri"/>
+              </a:rPr>
+              <a:t> qua </a:t>
+            </a:r>
+            <a:r>
+              <a:rPr lang="en-US" sz="2800" b="1" dirty="0" err="1">
+                <a:latin typeface="Calibri"/>
+                <a:ea typeface="Calibri"/>
+                <a:cs typeface="Calibri"/>
+                <a:sym typeface="Calibri"/>
+              </a:rPr>
+              <a:t>kiểm</a:t>
+            </a:r>
+            <a:r>
+              <a:rPr lang="en-US" sz="2800" b="1" dirty="0">
+                <a:latin typeface="Calibri"/>
+                <a:ea typeface="Calibri"/>
+                <a:cs typeface="Calibri"/>
+                <a:sym typeface="Calibri"/>
+              </a:rPr>
+              <a:t> </a:t>
+            </a:r>
+            <a:r>
+              <a:rPr lang="en-US" sz="2800" b="1" dirty="0" err="1">
+                <a:latin typeface="Calibri"/>
+                <a:ea typeface="Calibri"/>
+                <a:cs typeface="Calibri"/>
+                <a:sym typeface="Calibri"/>
+              </a:rPr>
+              <a:t>tra</a:t>
+            </a:r>
+            <a:r>
+              <a:rPr lang="en-US" sz="2800" b="1" dirty="0">
+                <a:latin typeface="Calibri"/>
+                <a:ea typeface="Calibri"/>
+                <a:cs typeface="Calibri"/>
+                <a:sym typeface="Calibri"/>
+              </a:rPr>
+              <a:t> padding hay </a:t>
+            </a:r>
+            <a:r>
+              <a:rPr lang="en-US" sz="2800" b="1" dirty="0" err="1">
+                <a:latin typeface="Calibri"/>
+                <a:ea typeface="Calibri"/>
+                <a:cs typeface="Calibri"/>
+                <a:sym typeface="Calibri"/>
+              </a:rPr>
+              <a:t>không</a:t>
+            </a:r>
+            <a:r>
+              <a:rPr lang="en-US" sz="2800" dirty="0">
+                <a:latin typeface="Calibri"/>
+                <a:ea typeface="Calibri"/>
+                <a:cs typeface="Calibri"/>
+                <a:sym typeface="Calibri"/>
+              </a:rPr>
+              <a:t>, </a:t>
+            </a:r>
+            <a:r>
+              <a:rPr lang="en-US" sz="2800" dirty="0" err="1">
+                <a:latin typeface="Calibri"/>
+                <a:ea typeface="Calibri"/>
+                <a:cs typeface="Calibri"/>
+                <a:sym typeface="Calibri"/>
+              </a:rPr>
+              <a:t>thông</a:t>
+            </a:r>
+            <a:r>
+              <a:rPr lang="en-US" sz="2800" dirty="0">
+                <a:latin typeface="Calibri"/>
+                <a:ea typeface="Calibri"/>
+                <a:cs typeface="Calibri"/>
+                <a:sym typeface="Calibri"/>
+              </a:rPr>
+              <a:t> qua </a:t>
+            </a:r>
+            <a:r>
+              <a:rPr lang="en-US" sz="2800" b="1" dirty="0" err="1">
+                <a:latin typeface="Calibri"/>
+                <a:ea typeface="Calibri"/>
+                <a:cs typeface="Calibri"/>
+                <a:sym typeface="Calibri"/>
+              </a:rPr>
+              <a:t>phản</a:t>
+            </a:r>
+            <a:r>
+              <a:rPr lang="en-US" sz="2800" b="1" dirty="0">
+                <a:latin typeface="Calibri"/>
+                <a:ea typeface="Calibri"/>
+                <a:cs typeface="Calibri"/>
+                <a:sym typeface="Calibri"/>
+              </a:rPr>
+              <a:t> </a:t>
+            </a:r>
+            <a:r>
+              <a:rPr lang="en-US" sz="2800" b="1" dirty="0" err="1">
+                <a:latin typeface="Calibri"/>
+                <a:ea typeface="Calibri"/>
+                <a:cs typeface="Calibri"/>
+                <a:sym typeface="Calibri"/>
+              </a:rPr>
+              <a:t>hồi</a:t>
+            </a:r>
+            <a:r>
+              <a:rPr lang="en-US" sz="2800" b="1" dirty="0">
+                <a:latin typeface="Calibri"/>
+                <a:ea typeface="Calibri"/>
+                <a:cs typeface="Calibri"/>
+                <a:sym typeface="Calibri"/>
+              </a:rPr>
+              <a:t> </a:t>
+            </a:r>
+            <a:r>
+              <a:rPr lang="en-US" sz="2800" b="1" dirty="0" err="1">
+                <a:latin typeface="Calibri"/>
+                <a:ea typeface="Calibri"/>
+                <a:cs typeface="Calibri"/>
+                <a:sym typeface="Calibri"/>
+              </a:rPr>
+              <a:t>hoặc</a:t>
+            </a:r>
+            <a:r>
+              <a:rPr lang="en-US" sz="2800" b="1" dirty="0">
+                <a:latin typeface="Calibri"/>
+                <a:ea typeface="Calibri"/>
+                <a:cs typeface="Calibri"/>
+                <a:sym typeface="Calibri"/>
+              </a:rPr>
+              <a:t> timing </a:t>
+            </a:r>
+            <a:r>
+              <a:rPr lang="en-US" sz="2800" b="1" dirty="0" err="1">
+                <a:latin typeface="Calibri"/>
+                <a:ea typeface="Calibri"/>
+                <a:cs typeface="Calibri"/>
+                <a:sym typeface="Calibri"/>
+              </a:rPr>
+              <a:t>khác</a:t>
+            </a:r>
+            <a:r>
+              <a:rPr lang="en-US" sz="2800" b="1" dirty="0">
+                <a:latin typeface="Calibri"/>
+                <a:ea typeface="Calibri"/>
+                <a:cs typeface="Calibri"/>
+                <a:sym typeface="Calibri"/>
+              </a:rPr>
+              <a:t> </a:t>
+            </a:r>
+            <a:r>
+              <a:rPr lang="en-US" sz="2800" b="1" dirty="0" err="1">
+                <a:latin typeface="Calibri"/>
+                <a:ea typeface="Calibri"/>
+                <a:cs typeface="Calibri"/>
+                <a:sym typeface="Calibri"/>
+              </a:rPr>
+              <a:t>nhau</a:t>
+            </a:r>
+            <a:r>
+              <a:rPr lang="en-US" sz="2800" dirty="0">
                 <a:latin typeface="Calibri"/>
                 <a:ea typeface="Calibri"/>
                 <a:cs typeface="Calibri"/>
@@ -17172,7 +17505,7 @@
               </a:rPr>
               <a:t>.</a:t>
             </a:r>
-            <a:endParaRPr sz="2800">
+            <a:endParaRPr sz="2800" dirty="0">
               <a:latin typeface="Calibri"/>
               <a:ea typeface="Calibri"/>
               <a:cs typeface="Calibri"/>
@@ -17195,67 +17528,373 @@
               <a:buChar char="-"/>
             </a:pPr>
             <a:r>
-              <a:rPr lang="en-US" sz="2800">
+              <a:rPr lang="en-US" sz="2800" dirty="0">
                 <a:latin typeface="Calibri"/>
                 <a:ea typeface="Calibri"/>
                 <a:cs typeface="Calibri"/>
                 <a:sym typeface="Calibri"/>
               </a:rPr>
-              <a:t> Khi server thực hiện giải mã RSA hoặc kiểm tra padding PKCS#1 v1.5, server sẽ để lộ kết quả kiểm tra padding:</a:t>
-            </a:r>
-            <a:endParaRPr/>
-          </a:p>
-          <a:p>
-            <a:pPr marL="384048" lvl="1" indent="-182880" algn="l" rtl="0">
-              <a:lnSpc>
-                <a:spcPct val="90000"/>
-              </a:lnSpc>
-              <a:spcBef>
-                <a:spcPts val="400"/>
-              </a:spcBef>
-              <a:spcAft>
-                <a:spcPts val="0"/>
-              </a:spcAft>
-              <a:buSzPts val="2600"/>
-              <a:buFont typeface="Calibri"/>
-              <a:buChar char="-"/>
-            </a:pPr>
-            <a:r>
-              <a:rPr lang="en-US" sz="2600">
+              <a:t> Khi server </a:t>
+            </a:r>
+            <a:r>
+              <a:rPr lang="en-US" sz="2800" dirty="0" err="1">
                 <a:latin typeface="Calibri"/>
                 <a:ea typeface="Calibri"/>
                 <a:cs typeface="Calibri"/>
                 <a:sym typeface="Calibri"/>
               </a:rPr>
-              <a:t>Trả về OK/FAIL</a:t>
-            </a:r>
-            <a:endParaRPr/>
-          </a:p>
-          <a:p>
-            <a:pPr marL="384048" lvl="1" indent="-182880" algn="l" rtl="0">
-              <a:lnSpc>
-                <a:spcPct val="90000"/>
-              </a:lnSpc>
-              <a:spcBef>
-                <a:spcPts val="600"/>
-              </a:spcBef>
-              <a:spcAft>
-                <a:spcPts val="0"/>
-              </a:spcAft>
-              <a:buSzPts val="2600"/>
-              <a:buFont typeface="Calibri"/>
-              <a:buChar char="-"/>
-            </a:pPr>
-            <a:r>
-              <a:rPr lang="en-US" sz="2600">
+              <a:t>thực</a:t>
+            </a:r>
+            <a:r>
+              <a:rPr lang="en-US" sz="2800" dirty="0">
                 <a:latin typeface="Calibri"/>
                 <a:ea typeface="Calibri"/>
                 <a:cs typeface="Calibri"/>
                 <a:sym typeface="Calibri"/>
               </a:rPr>
-              <a:t>Timing khác nhau</a:t>
-            </a:r>
-            <a:endParaRPr sz="2600">
+              <a:t> </a:t>
+            </a:r>
+            <a:r>
+              <a:rPr lang="en-US" sz="2800" dirty="0" err="1">
+                <a:latin typeface="Calibri"/>
+                <a:ea typeface="Calibri"/>
+                <a:cs typeface="Calibri"/>
+                <a:sym typeface="Calibri"/>
+              </a:rPr>
+              <a:t>hiện</a:t>
+            </a:r>
+            <a:r>
+              <a:rPr lang="en-US" sz="2800" dirty="0">
+                <a:latin typeface="Calibri"/>
+                <a:ea typeface="Calibri"/>
+                <a:cs typeface="Calibri"/>
+                <a:sym typeface="Calibri"/>
+              </a:rPr>
+              <a:t> </a:t>
+            </a:r>
+            <a:r>
+              <a:rPr lang="en-US" sz="2800" dirty="0" err="1">
+                <a:latin typeface="Calibri"/>
+                <a:ea typeface="Calibri"/>
+                <a:cs typeface="Calibri"/>
+                <a:sym typeface="Calibri"/>
+              </a:rPr>
+              <a:t>giải</a:t>
+            </a:r>
+            <a:r>
+              <a:rPr lang="en-US" sz="2800" dirty="0">
+                <a:latin typeface="Calibri"/>
+                <a:ea typeface="Calibri"/>
+                <a:cs typeface="Calibri"/>
+                <a:sym typeface="Calibri"/>
+              </a:rPr>
+              <a:t> </a:t>
+            </a:r>
+            <a:r>
+              <a:rPr lang="en-US" sz="2800" dirty="0" err="1">
+                <a:latin typeface="Calibri"/>
+                <a:ea typeface="Calibri"/>
+                <a:cs typeface="Calibri"/>
+                <a:sym typeface="Calibri"/>
+              </a:rPr>
+              <a:t>mã</a:t>
+            </a:r>
+            <a:r>
+              <a:rPr lang="en-US" sz="2800" dirty="0">
+                <a:latin typeface="Calibri"/>
+                <a:ea typeface="Calibri"/>
+                <a:cs typeface="Calibri"/>
+                <a:sym typeface="Calibri"/>
+              </a:rPr>
+              <a:t> RSA </a:t>
+            </a:r>
+            <a:r>
+              <a:rPr lang="en-US" sz="2800" dirty="0" err="1">
+                <a:latin typeface="Calibri"/>
+                <a:ea typeface="Calibri"/>
+                <a:cs typeface="Calibri"/>
+                <a:sym typeface="Calibri"/>
+              </a:rPr>
+              <a:t>hoặc</a:t>
+            </a:r>
+            <a:r>
+              <a:rPr lang="en-US" sz="2800" dirty="0">
+                <a:latin typeface="Calibri"/>
+                <a:ea typeface="Calibri"/>
+                <a:cs typeface="Calibri"/>
+                <a:sym typeface="Calibri"/>
+              </a:rPr>
+              <a:t> </a:t>
+            </a:r>
+            <a:r>
+              <a:rPr lang="en-US" sz="2800" dirty="0" err="1">
+                <a:latin typeface="Calibri"/>
+                <a:ea typeface="Calibri"/>
+                <a:cs typeface="Calibri"/>
+                <a:sym typeface="Calibri"/>
+              </a:rPr>
+              <a:t>kiểm</a:t>
+            </a:r>
+            <a:r>
+              <a:rPr lang="en-US" sz="2800" dirty="0">
+                <a:latin typeface="Calibri"/>
+                <a:ea typeface="Calibri"/>
+                <a:cs typeface="Calibri"/>
+                <a:sym typeface="Calibri"/>
+              </a:rPr>
+              <a:t> </a:t>
+            </a:r>
+            <a:r>
+              <a:rPr lang="en-US" sz="2800" dirty="0" err="1">
+                <a:latin typeface="Calibri"/>
+                <a:ea typeface="Calibri"/>
+                <a:cs typeface="Calibri"/>
+                <a:sym typeface="Calibri"/>
+              </a:rPr>
+              <a:t>tra</a:t>
+            </a:r>
+            <a:r>
+              <a:rPr lang="en-US" sz="2800" dirty="0">
+                <a:latin typeface="Calibri"/>
+                <a:ea typeface="Calibri"/>
+                <a:cs typeface="Calibri"/>
+                <a:sym typeface="Calibri"/>
+              </a:rPr>
+              <a:t> padding PKCS#1 v1.5, server </a:t>
+            </a:r>
+            <a:r>
+              <a:rPr lang="en-US" sz="2800" dirty="0" err="1">
+                <a:latin typeface="Calibri"/>
+                <a:ea typeface="Calibri"/>
+                <a:cs typeface="Calibri"/>
+                <a:sym typeface="Calibri"/>
+              </a:rPr>
+              <a:t>sẽ</a:t>
+            </a:r>
+            <a:r>
+              <a:rPr lang="en-US" sz="2800" dirty="0">
+                <a:latin typeface="Calibri"/>
+                <a:ea typeface="Calibri"/>
+                <a:cs typeface="Calibri"/>
+                <a:sym typeface="Calibri"/>
+              </a:rPr>
+              <a:t> </a:t>
+            </a:r>
+            <a:r>
+              <a:rPr lang="en-US" sz="2800" dirty="0" err="1">
+                <a:latin typeface="Calibri"/>
+                <a:ea typeface="Calibri"/>
+                <a:cs typeface="Calibri"/>
+                <a:sym typeface="Calibri"/>
+              </a:rPr>
+              <a:t>để</a:t>
+            </a:r>
+            <a:r>
+              <a:rPr lang="en-US" sz="2800" dirty="0">
+                <a:latin typeface="Calibri"/>
+                <a:ea typeface="Calibri"/>
+                <a:cs typeface="Calibri"/>
+                <a:sym typeface="Calibri"/>
+              </a:rPr>
+              <a:t> </a:t>
+            </a:r>
+            <a:r>
+              <a:rPr lang="en-US" sz="2800" dirty="0" err="1">
+                <a:latin typeface="Calibri"/>
+                <a:ea typeface="Calibri"/>
+                <a:cs typeface="Calibri"/>
+                <a:sym typeface="Calibri"/>
+              </a:rPr>
+              <a:t>lộ</a:t>
+            </a:r>
+            <a:r>
+              <a:rPr lang="en-US" sz="2800" dirty="0">
+                <a:latin typeface="Calibri"/>
+                <a:ea typeface="Calibri"/>
+                <a:cs typeface="Calibri"/>
+                <a:sym typeface="Calibri"/>
+              </a:rPr>
+              <a:t> </a:t>
+            </a:r>
+            <a:r>
+              <a:rPr lang="en-US" sz="2800" dirty="0" err="1">
+                <a:latin typeface="Calibri"/>
+                <a:ea typeface="Calibri"/>
+                <a:cs typeface="Calibri"/>
+                <a:sym typeface="Calibri"/>
+              </a:rPr>
+              <a:t>kết</a:t>
+            </a:r>
+            <a:r>
+              <a:rPr lang="en-US" sz="2800" dirty="0">
+                <a:latin typeface="Calibri"/>
+                <a:ea typeface="Calibri"/>
+                <a:cs typeface="Calibri"/>
+                <a:sym typeface="Calibri"/>
+              </a:rPr>
+              <a:t> </a:t>
+            </a:r>
+            <a:r>
+              <a:rPr lang="en-US" sz="2800" dirty="0" err="1">
+                <a:latin typeface="Calibri"/>
+                <a:ea typeface="Calibri"/>
+                <a:cs typeface="Calibri"/>
+                <a:sym typeface="Calibri"/>
+              </a:rPr>
+              <a:t>quả</a:t>
+            </a:r>
+            <a:r>
+              <a:rPr lang="en-US" sz="2800" dirty="0">
+                <a:latin typeface="Calibri"/>
+                <a:ea typeface="Calibri"/>
+                <a:cs typeface="Calibri"/>
+                <a:sym typeface="Calibri"/>
+              </a:rPr>
+              <a:t> </a:t>
+            </a:r>
+            <a:r>
+              <a:rPr lang="en-US" sz="2800" dirty="0" err="1">
+                <a:latin typeface="Calibri"/>
+                <a:ea typeface="Calibri"/>
+                <a:cs typeface="Calibri"/>
+                <a:sym typeface="Calibri"/>
+              </a:rPr>
+              <a:t>kiểm</a:t>
+            </a:r>
+            <a:r>
+              <a:rPr lang="en-US" sz="2800" dirty="0">
+                <a:latin typeface="Calibri"/>
+                <a:ea typeface="Calibri"/>
+                <a:cs typeface="Calibri"/>
+                <a:sym typeface="Calibri"/>
+              </a:rPr>
+              <a:t> </a:t>
+            </a:r>
+            <a:r>
+              <a:rPr lang="en-US" sz="2800" dirty="0" err="1">
+                <a:latin typeface="Calibri"/>
+                <a:ea typeface="Calibri"/>
+                <a:cs typeface="Calibri"/>
+                <a:sym typeface="Calibri"/>
+              </a:rPr>
+              <a:t>tra</a:t>
+            </a:r>
+            <a:r>
+              <a:rPr lang="en-US" sz="2800" dirty="0">
+                <a:latin typeface="Calibri"/>
+                <a:ea typeface="Calibri"/>
+                <a:cs typeface="Calibri"/>
+                <a:sym typeface="Calibri"/>
+              </a:rPr>
+              <a:t> padding:</a:t>
+            </a:r>
+            <a:endParaRPr dirty="0"/>
+          </a:p>
+          <a:p>
+            <a:pPr marL="384048" lvl="1" indent="-182880" algn="l" rtl="0">
+              <a:lnSpc>
+                <a:spcPct val="90000"/>
+              </a:lnSpc>
+              <a:spcBef>
+                <a:spcPts val="400"/>
+              </a:spcBef>
+              <a:spcAft>
+                <a:spcPts val="0"/>
+              </a:spcAft>
+              <a:buSzPts val="2600"/>
+              <a:buFont typeface="Calibri"/>
+              <a:buChar char="-"/>
+            </a:pPr>
+            <a:r>
+              <a:rPr lang="en-US" sz="2600" dirty="0" err="1">
+                <a:latin typeface="Calibri"/>
+                <a:ea typeface="Calibri"/>
+                <a:cs typeface="Calibri"/>
+                <a:sym typeface="Calibri"/>
+              </a:rPr>
+              <a:t>Trả</a:t>
+            </a:r>
+            <a:r>
+              <a:rPr lang="en-US" sz="2600" dirty="0">
+                <a:latin typeface="Calibri"/>
+                <a:ea typeface="Calibri"/>
+                <a:cs typeface="Calibri"/>
+                <a:sym typeface="Calibri"/>
+              </a:rPr>
+              <a:t> </a:t>
+            </a:r>
+            <a:r>
+              <a:rPr lang="en-US" sz="2600" dirty="0" err="1">
+                <a:latin typeface="Calibri"/>
+                <a:ea typeface="Calibri"/>
+                <a:cs typeface="Calibri"/>
+                <a:sym typeface="Calibri"/>
+              </a:rPr>
+              <a:t>về</a:t>
+            </a:r>
+            <a:r>
+              <a:rPr lang="en-US" sz="2600" dirty="0">
+                <a:latin typeface="Calibri"/>
+                <a:ea typeface="Calibri"/>
+                <a:cs typeface="Calibri"/>
+                <a:sym typeface="Calibri"/>
+              </a:rPr>
+              <a:t> OK/FAIL</a:t>
+            </a:r>
+            <a:endParaRPr dirty="0"/>
+          </a:p>
+          <a:p>
+            <a:pPr marL="384048" lvl="1" indent="-182880" algn="l" rtl="0">
+              <a:lnSpc>
+                <a:spcPct val="90000"/>
+              </a:lnSpc>
+              <a:spcBef>
+                <a:spcPts val="600"/>
+              </a:spcBef>
+              <a:spcAft>
+                <a:spcPts val="0"/>
+              </a:spcAft>
+              <a:buSzPts val="2600"/>
+              <a:buFont typeface="Calibri"/>
+              <a:buChar char="-"/>
+            </a:pPr>
+            <a:r>
+              <a:rPr lang="en-US" sz="2600" dirty="0">
+                <a:latin typeface="Calibri"/>
+                <a:ea typeface="Calibri"/>
+                <a:cs typeface="Calibri"/>
+                <a:sym typeface="Calibri"/>
+              </a:rPr>
+              <a:t>Timing </a:t>
+            </a:r>
+            <a:r>
+              <a:rPr lang="en-US" sz="2600" dirty="0" err="1">
+                <a:latin typeface="Calibri"/>
+                <a:ea typeface="Calibri"/>
+                <a:cs typeface="Calibri"/>
+                <a:sym typeface="Calibri"/>
+              </a:rPr>
+              <a:t>khác</a:t>
+            </a:r>
+            <a:r>
+              <a:rPr lang="en-US" sz="2600" dirty="0">
+                <a:latin typeface="Calibri"/>
+                <a:ea typeface="Calibri"/>
+                <a:cs typeface="Calibri"/>
+                <a:sym typeface="Calibri"/>
+              </a:rPr>
+              <a:t> </a:t>
+            </a:r>
+            <a:r>
+              <a:rPr lang="en-US" sz="2600" dirty="0" err="1">
+                <a:latin typeface="Calibri"/>
+                <a:ea typeface="Calibri"/>
+                <a:cs typeface="Calibri"/>
+                <a:sym typeface="Calibri"/>
+              </a:rPr>
+              <a:t>nhau</a:t>
+            </a:r>
+            <a:endParaRPr sz="2600" dirty="0">
               <a:latin typeface="Calibri"/>
               <a:ea typeface="Calibri"/>
               <a:cs typeface="Calibri"/>
@@ -17336,43 +17975,49 @@
               <a:buNone/>
             </a:pPr>
             <a:r>
-              <a:rPr lang="en-US"/>
+              <a:rPr lang="en-US" dirty="0"/>
               <a:t>Attack A - </a:t>
             </a:r>
             <a:r>
-              <a:rPr lang="en-US" sz="4800"/>
-              <a:t>Bleichenbacher padding oracle </a:t>
-            </a:r>
-            <a:endParaRPr/>
+              <a:rPr lang="en-US" sz="4800" dirty="0" err="1"/>
+              <a:t>Bleichenbacher</a:t>
+            </a:r>
+            <a:r>
+              <a:rPr lang="en-US" sz="4800" dirty="0"/>
+              <a:t> padding oracle </a:t>
+            </a:r>
+            <a:endParaRPr dirty="0"/>
           </a:p>
         </p:txBody>
       </p:sp>
       <p:pic>
         <p:nvPicPr>
-          <p:cNvPr id="174" name="Google Shape;174;p25"/>
-          <p:cNvPicPr preferRelativeResize="0"/>
+          <p:cNvPr id="3" name="Picture 2" descr="A diagram of a diagram&#10;&#10;AI-generated content may be incorrect.">
+            <a:extLst>
+              <a:ext uri="{FF2B5EF4-FFF2-40B4-BE49-F238E27FC236}">
+                <a16:creationId xmlns:a16="http://schemas.microsoft.com/office/drawing/2014/main" id="{F33D0B03-A485-AA72-6D14-B7675C3217EC}"/>
+              </a:ext>
+            </a:extLst>
+          </p:cNvPr>
+          <p:cNvPicPr>
+            <a:picLocks noChangeAspect="1"/>
+          </p:cNvPicPr>
           <p:nvPr/>
         </p:nvPicPr>
         <p:blipFill>
-          <a:blip r:embed="rId3">
-            <a:alphaModFix/>
-          </a:blip>
+          <a:blip r:embed="rId3"/>
           <a:stretch>
             <a:fillRect/>
           </a:stretch>
         </p:blipFill>
         <p:spPr>
           <a:xfrm>
-            <a:off x="0" y="2379675"/>
-            <a:ext cx="12192000" cy="2298180"/>
+            <a:off x="0" y="2351513"/>
+            <a:ext cx="12192000" cy="2154973"/>
           </a:xfrm>
           <a:prstGeom prst="rect">
             <a:avLst/>
           </a:prstGeom>
-          <a:noFill/>
-          <a:ln>
-            <a:noFill/>
-          </a:ln>
         </p:spPr>
       </p:pic>
     </p:spTree>
@@ -24698,7 +25343,7 @@
         </p:nvSpPr>
         <p:spPr>
           <a:xfrm>
-            <a:off x="1097280" y="1845734"/>
+            <a:off x="817880" y="1871134"/>
             <a:ext cx="10058400" cy="4023300"/>
           </a:xfrm>
           <a:prstGeom prst="rect">
@@ -24730,10 +25375,178 @@
               <a:buNone/>
             </a:pPr>
             <a:r>
-              <a:rPr lang="en-US" sz="2400" i="1"/>
-              <a:t>RQ2: Các tấn công Bleichenbacher (padding oracle) và timing attacks còn khả thi trên các stack hiện đại (OpenSSL / LibreSSL / BoringSSL) khi gặp cấu hình cũ hoặc lỗi không?</a:t>
-            </a:r>
-            <a:endParaRPr sz="2400" i="1"/>
+              <a:rPr lang="en-US" sz="2400" i="1" dirty="0"/>
+              <a:t>RQ2: </a:t>
+            </a:r>
+            <a:r>
+              <a:rPr lang="en-US" sz="2400" i="1" dirty="0" err="1"/>
+              <a:t>Các</a:t>
+            </a:r>
+            <a:r>
+              <a:rPr lang="en-US" sz="2400" i="1" dirty="0"/>
+              <a:t> </a:t>
+            </a:r>
+            <a:r>
+              <a:rPr lang="en-US" sz="2400" i="1" dirty="0" err="1"/>
+              <a:t>tấn</a:t>
+            </a:r>
+            <a:r>
+              <a:rPr lang="en-US" sz="2400" i="1" dirty="0"/>
+              <a:t> </a:t>
+            </a:r>
+            <a:r>
+              <a:rPr lang="en-US" sz="2400" i="1" dirty="0" err="1"/>
+              <a:t>công</a:t>
+            </a:r>
+            <a:r>
+              <a:rPr lang="en-US" sz="2400" i="1" dirty="0"/>
+              <a:t> </a:t>
+            </a:r>
+            <a:r>
+              <a:rPr lang="en-US" sz="2400" i="1" dirty="0" err="1"/>
+              <a:t>Bleichenbacher</a:t>
+            </a:r>
+            <a:r>
+              <a:rPr lang="en-US" sz="2400" i="1" dirty="0"/>
+              <a:t> (padding oracle) </a:t>
+            </a:r>
+            <a:r>
+              <a:rPr lang="en-US" sz="2400" i="1" dirty="0" err="1"/>
+              <a:t>và</a:t>
+            </a:r>
+            <a:r>
+              <a:rPr lang="en-US" sz="2400" i="1" dirty="0"/>
+              <a:t> timing attacks </a:t>
+            </a:r>
+            <a:r>
+              <a:rPr lang="en-US" sz="2400" i="1" dirty="0" err="1"/>
+              <a:t>còn</a:t>
+            </a:r>
+            <a:r>
+              <a:rPr lang="en-US" sz="2400" i="1" dirty="0"/>
+              <a:t> </a:t>
+            </a:r>
+            <a:r>
+              <a:rPr lang="en-US" sz="2400" i="1" dirty="0" err="1"/>
+              <a:t>khả</a:t>
+            </a:r>
+            <a:r>
+              <a:rPr lang="en-US" sz="2400" i="1" dirty="0"/>
+              <a:t> </a:t>
+            </a:r>
+            <a:r>
+              <a:rPr lang="en-US" sz="2400" i="1" dirty="0" err="1"/>
+              <a:t>thi</a:t>
+            </a:r>
+            <a:r>
+              <a:rPr lang="en-US" sz="2400" i="1" dirty="0"/>
+              <a:t> </a:t>
+            </a:r>
+            <a:r>
+              <a:rPr lang="en-US" sz="2400" i="1" dirty="0" err="1"/>
+              <a:t>trên</a:t>
+            </a:r>
+            <a:r>
+              <a:rPr lang="en-US" sz="2400" i="1" dirty="0"/>
+              <a:t> </a:t>
+            </a:r>
+            <a:r>
+              <a:rPr lang="en-US" sz="2400" i="1" dirty="0" err="1"/>
+              <a:t>các</a:t>
+            </a:r>
+            <a:r>
+              <a:rPr lang="en-US" sz="2400" i="1" dirty="0"/>
+              <a:t> stack </a:t>
+            </a:r>
+            <a:r>
+              <a:rPr lang="en-US" sz="2400" i="1" dirty="0" err="1"/>
+              <a:t>hiện</a:t>
+            </a:r>
+            <a:r>
+              <a:rPr lang="en-US" sz="2400" i="1" dirty="0"/>
+              <a:t> </a:t>
+            </a:r>
+            <a:r>
+              <a:rPr lang="en-US" sz="2400" i="1" dirty="0" err="1"/>
+              <a:t>đại</a:t>
+            </a:r>
+            <a:r>
+              <a:rPr lang="en-US" sz="2400" i="1" dirty="0"/>
+              <a:t> (OpenSSL / LibreSSL / </a:t>
+            </a:r>
+            <a:r>
+              <a:rPr lang="en-US" sz="2400" i="1" dirty="0" err="1"/>
+              <a:t>BoringSSL</a:t>
+            </a:r>
+            <a:r>
+              <a:rPr lang="en-US" sz="2400" i="1" dirty="0"/>
+              <a:t>) </a:t>
+            </a:r>
+            <a:r>
+              <a:rPr lang="en-US" sz="2400" i="1" dirty="0" err="1"/>
+              <a:t>khi</a:t>
+            </a:r>
+            <a:r>
+              <a:rPr lang="en-US" sz="2400" i="1" dirty="0"/>
+              <a:t> </a:t>
+            </a:r>
+            <a:r>
+              <a:rPr lang="en-US" sz="2400" i="1" dirty="0" err="1"/>
+              <a:t>gặp</a:t>
+            </a:r>
+            <a:r>
+              <a:rPr lang="en-US" sz="2400" i="1" dirty="0"/>
+              <a:t> </a:t>
+            </a:r>
+            <a:r>
+              <a:rPr lang="en-US" sz="2400" i="1" dirty="0" err="1"/>
+              <a:t>cấu</a:t>
+            </a:r>
+            <a:r>
+              <a:rPr lang="en-US" sz="2400" i="1" dirty="0"/>
+              <a:t> </a:t>
+            </a:r>
+            <a:r>
+              <a:rPr lang="en-US" sz="2400" i="1" dirty="0" err="1"/>
+              <a:t>hình</a:t>
+            </a:r>
+            <a:r>
+              <a:rPr lang="en-US" sz="2400" i="1" dirty="0"/>
+              <a:t> </a:t>
+            </a:r>
+            <a:r>
+              <a:rPr lang="en-US" sz="2400" i="1" dirty="0" err="1"/>
+              <a:t>cũ</a:t>
+            </a:r>
+            <a:r>
+              <a:rPr lang="en-US" sz="2400" i="1" dirty="0"/>
+              <a:t> </a:t>
+            </a:r>
+            <a:r>
+              <a:rPr lang="en-US" sz="2400" i="1" dirty="0" err="1"/>
+              <a:t>hoặc</a:t>
+            </a:r>
+            <a:r>
+              <a:rPr lang="en-US" sz="2400" i="1" dirty="0"/>
+              <a:t> </a:t>
+            </a:r>
+            <a:r>
+              <a:rPr lang="en-US" sz="2400" i="1" dirty="0" err="1"/>
+              <a:t>lỗi</a:t>
+            </a:r>
+            <a:r>
+              <a:rPr lang="en-US" sz="2400" i="1" dirty="0"/>
+              <a:t> </a:t>
+            </a:r>
+            <a:r>
+              <a:rPr lang="en-US" sz="2400" i="1" dirty="0" err="1"/>
+              <a:t>không</a:t>
+            </a:r>
+            <a:r>
+              <a:rPr lang="en-US" sz="2400" i="1" dirty="0"/>
+              <a:t>?</a:t>
+            </a:r>
+            <a:endParaRPr sz="2400" i="1" dirty="0"/>
           </a:p>
           <a:p>
             <a:pPr marL="384048" lvl="1" indent="-30479" algn="l" rtl="0">
@@ -24751,10 +25564,82 @@
               <a:buNone/>
             </a:pPr>
             <a:r>
-              <a:rPr lang="en-US" sz="2400"/>
-              <a:t>-&gt; Có, nhưng chỉ trong trường hợp triển khai sai:</a:t>
-            </a:r>
-            <a:endParaRPr sz="2400"/>
+              <a:rPr lang="en-US" sz="2400" dirty="0"/>
+              <a:t>-&gt; </a:t>
+            </a:r>
+            <a:r>
+              <a:rPr lang="en-US" sz="2400" dirty="0" err="1"/>
+              <a:t>Có</a:t>
+            </a:r>
+            <a:r>
+              <a:rPr lang="en-US" sz="2400" dirty="0"/>
+              <a:t>, </a:t>
+            </a:r>
+            <a:r>
+              <a:rPr lang="en-US" sz="2400" dirty="0" err="1"/>
+              <a:t>nhưng</a:t>
+            </a:r>
+            <a:r>
+              <a:rPr lang="en-US" sz="2400" dirty="0"/>
+              <a:t> </a:t>
+            </a:r>
+            <a:r>
+              <a:rPr lang="en-US" sz="2400" dirty="0" err="1"/>
+              <a:t>chỉ</a:t>
+            </a:r>
+            <a:r>
+              <a:rPr lang="en-US" sz="2400" dirty="0"/>
+              <a:t> </a:t>
+            </a:r>
+            <a:r>
+              <a:rPr lang="en-US" sz="2400" dirty="0" err="1"/>
+              <a:t>trong</a:t>
+            </a:r>
+            <a:r>
+              <a:rPr lang="en-US" sz="2400" dirty="0"/>
+              <a:t> </a:t>
+            </a:r>
+            <a:r>
+              <a:rPr lang="en-US" sz="2400" dirty="0" err="1"/>
+              <a:t>trường</a:t>
+            </a:r>
+            <a:r>
+              <a:rPr lang="en-US" sz="2400" dirty="0"/>
+              <a:t> </a:t>
+            </a:r>
+            <a:r>
+              <a:rPr lang="en-US" sz="2400" dirty="0" err="1"/>
+              <a:t>hợp</a:t>
+            </a:r>
+            <a:r>
+              <a:rPr lang="en-US" sz="2400" dirty="0"/>
+              <a:t> </a:t>
+            </a:r>
+            <a:r>
+              <a:rPr lang="en-US" sz="2400" dirty="0" err="1"/>
+              <a:t>triển</a:t>
+            </a:r>
+            <a:r>
+              <a:rPr lang="en-US" sz="2400" dirty="0"/>
+              <a:t> </a:t>
+            </a:r>
+            <a:r>
+              <a:rPr lang="en-US" sz="2400" dirty="0" err="1"/>
+              <a:t>khai</a:t>
+            </a:r>
+            <a:r>
+              <a:rPr lang="en-US" sz="2400" dirty="0"/>
+              <a:t> </a:t>
+            </a:r>
+            <a:r>
+              <a:rPr lang="en-US" sz="2400" dirty="0" err="1"/>
+              <a:t>sai</a:t>
+            </a:r>
+            <a:r>
+              <a:rPr lang="en-US" sz="2400" dirty="0"/>
+              <a:t>:</a:t>
+            </a:r>
+            <a:endParaRPr sz="2400" dirty="0"/>
           </a:p>
           <a:p>
             <a:pPr marL="384048" lvl="1" indent="-30479" algn="l" rtl="0">
@@ -24772,10 +25657,50 @@
               <a:buNone/>
             </a:pPr>
             <a:r>
-              <a:rPr lang="en-US" sz="2400"/>
-              <a:t>- Hệ thống sử dụng RSA PKCS#1 v1.5 cho RSA Encryption</a:t>
-            </a:r>
-            <a:endParaRPr sz="2400"/>
+              <a:rPr lang="en-US" sz="2400" dirty="0"/>
+              <a:t>- </a:t>
+            </a:r>
+            <a:r>
+              <a:rPr lang="en-US" sz="2400" dirty="0" err="1"/>
+              <a:t>Hệ</a:t>
+            </a:r>
+            <a:r>
+              <a:rPr lang="en-US" sz="2400" dirty="0"/>
+              <a:t> </a:t>
+            </a:r>
+            <a:r>
+              <a:rPr lang="en-US" sz="2400" dirty="0" err="1"/>
+              <a:t>thống</a:t>
+            </a:r>
+            <a:r>
+              <a:rPr lang="en-US" sz="2400" dirty="0"/>
+              <a:t> </a:t>
+            </a:r>
+            <a:r>
+              <a:rPr lang="en-US" sz="2400" dirty="0" err="1"/>
+              <a:t>sử</a:t>
+            </a:r>
+            <a:r>
+              <a:rPr lang="en-US" sz="2400" dirty="0"/>
+              <a:t> </a:t>
+            </a:r>
+            <a:r>
+              <a:rPr lang="en-US" sz="2400" dirty="0" err="1"/>
+              <a:t>dụng</a:t>
+            </a:r>
+            <a:r>
+              <a:rPr lang="en-US" sz="2400" dirty="0"/>
+              <a:t> RSA PKCS#1 v1.5 </a:t>
+            </a:r>
+            <a:r>
+              <a:rPr lang="en-US" sz="2400" dirty="0" err="1"/>
+              <a:t>cho</a:t>
+            </a:r>
+            <a:r>
+              <a:rPr lang="en-US" sz="2400" dirty="0"/>
+              <a:t> RSA Encryption</a:t>
+            </a:r>
+            <a:endParaRPr sz="2400" dirty="0"/>
           </a:p>
           <a:p>
             <a:pPr marL="384048" lvl="1" indent="-30479" algn="l" rtl="0">
@@ -24793,10 +25718,34 @@
               <a:buNone/>
             </a:pPr>
             <a:r>
-              <a:rPr lang="en-US" sz="2400"/>
-              <a:t>- Vẫn còn bật RSA key exchange (TLS ≤ 1.3)</a:t>
-            </a:r>
-            <a:endParaRPr sz="2400"/>
+              <a:rPr lang="en-US" sz="2400" dirty="0"/>
+              <a:t>- </a:t>
+            </a:r>
+            <a:r>
+              <a:rPr lang="en-US" sz="2400" dirty="0" err="1"/>
+              <a:t>Vẫn</a:t>
+            </a:r>
+            <a:r>
+              <a:rPr lang="en-US" sz="2400" dirty="0"/>
+              <a:t> </a:t>
+            </a:r>
+            <a:r>
+              <a:rPr lang="en-US" sz="2400" dirty="0" err="1"/>
+              <a:t>còn</a:t>
+            </a:r>
+            <a:r>
+              <a:rPr lang="en-US" sz="2400" dirty="0"/>
+              <a:t> </a:t>
+            </a:r>
+            <a:r>
+              <a:rPr lang="en-US" sz="2400" dirty="0" err="1"/>
+              <a:t>bật</a:t>
+            </a:r>
+            <a:r>
+              <a:rPr lang="en-US" sz="2400" dirty="0"/>
+              <a:t> RSA key exchange (TLS ≤ 1.3)</a:t>
+            </a:r>
+            <a:endParaRPr sz="2400" dirty="0"/>
           </a:p>
           <a:p>
             <a:pPr marL="384048" lvl="1" indent="-30479" algn="l" rtl="0">
@@ -24814,10 +25763,34 @@
               <a:buNone/>
             </a:pPr>
             <a:r>
-              <a:rPr lang="en-US" sz="2400"/>
-              <a:t>- Có tồn tại padding/timing oracle</a:t>
-            </a:r>
-            <a:endParaRPr sz="2400"/>
+              <a:rPr lang="en-US" sz="2400" dirty="0"/>
+              <a:t>- </a:t>
+            </a:r>
+            <a:r>
+              <a:rPr lang="en-US" sz="2400" dirty="0" err="1"/>
+              <a:t>Có</a:t>
+            </a:r>
+            <a:r>
+              <a:rPr lang="en-US" sz="2400" dirty="0"/>
+              <a:t> </a:t>
+            </a:r>
+            <a:r>
+              <a:rPr lang="en-US" sz="2400" dirty="0" err="1"/>
+              <a:t>tồn</a:t>
+            </a:r>
+            <a:r>
+              <a:rPr lang="en-US" sz="2400" dirty="0"/>
+              <a:t> </a:t>
+            </a:r>
+            <a:r>
+              <a:rPr lang="en-US" sz="2400" dirty="0" err="1"/>
+              <a:t>tại</a:t>
+            </a:r>
+            <a:r>
+              <a:rPr lang="en-US" sz="2400" dirty="0"/>
+              <a:t> padding/timing oracle</a:t>
+            </a:r>
+            <a:endParaRPr sz="2400" dirty="0"/>
           </a:p>
         </p:txBody>
       </p:sp>
